--- a/images/instructions/post_practice_inst.pptx
+++ b/images/instructions/post_practice_inst.pptx
@@ -108,6 +108,11 @@
       </a:defRPr>
     </a:lvl9pPr>
   </p:defaultTextStyle>
+  <p:extLst>
+    <p:ext uri="{EFAFB233-063F-42B5-8137-9DF3F51BA10A}">
+      <p15:sldGuideLst xmlns:p15="http://schemas.microsoft.com/office/powerpoint/2012/main"/>
+    </p:ext>
+  </p:extLst>
 </p:presentation>
 </file>
 
@@ -193,7 +198,7 @@
           <a:p>
             <a:fld id="{108B0BB3-F5EF-FF45-AD41-A809C2933987}" type="datetimeFigureOut">
               <a:rPr lang="en-US" smtClean="0"/>
-              <a:t>4/3/24</a:t>
+              <a:t>4/11/24</a:t>
             </a:fld>
             <a:endParaRPr lang="en-US"/>
           </a:p>
@@ -775,7 +780,7 @@
           <a:p>
             <a:fld id="{3AA414F1-6BA1-7B4F-8F30-9D0E29539CE9}" type="datetimeFigureOut">
               <a:rPr lang="en-US" smtClean="0"/>
-              <a:t>4/3/24</a:t>
+              <a:t>4/11/24</a:t>
             </a:fld>
             <a:endParaRPr lang="en-US"/>
           </a:p>
@@ -973,7 +978,7 @@
           <a:p>
             <a:fld id="{3AA414F1-6BA1-7B4F-8F30-9D0E29539CE9}" type="datetimeFigureOut">
               <a:rPr lang="en-US" smtClean="0"/>
-              <a:t>4/3/24</a:t>
+              <a:t>4/11/24</a:t>
             </a:fld>
             <a:endParaRPr lang="en-US"/>
           </a:p>
@@ -1181,7 +1186,7 @@
           <a:p>
             <a:fld id="{3AA414F1-6BA1-7B4F-8F30-9D0E29539CE9}" type="datetimeFigureOut">
               <a:rPr lang="en-US" smtClean="0"/>
-              <a:t>4/3/24</a:t>
+              <a:t>4/11/24</a:t>
             </a:fld>
             <a:endParaRPr lang="en-US"/>
           </a:p>
@@ -1379,7 +1384,7 @@
           <a:p>
             <a:fld id="{3AA414F1-6BA1-7B4F-8F30-9D0E29539CE9}" type="datetimeFigureOut">
               <a:rPr lang="en-US" smtClean="0"/>
-              <a:t>4/3/24</a:t>
+              <a:t>4/11/24</a:t>
             </a:fld>
             <a:endParaRPr lang="en-US"/>
           </a:p>
@@ -1654,7 +1659,7 @@
           <a:p>
             <a:fld id="{3AA414F1-6BA1-7B4F-8F30-9D0E29539CE9}" type="datetimeFigureOut">
               <a:rPr lang="en-US" smtClean="0"/>
-              <a:t>4/3/24</a:t>
+              <a:t>4/11/24</a:t>
             </a:fld>
             <a:endParaRPr lang="en-US"/>
           </a:p>
@@ -1919,7 +1924,7 @@
           <a:p>
             <a:fld id="{3AA414F1-6BA1-7B4F-8F30-9D0E29539CE9}" type="datetimeFigureOut">
               <a:rPr lang="en-US" smtClean="0"/>
-              <a:t>4/3/24</a:t>
+              <a:t>4/11/24</a:t>
             </a:fld>
             <a:endParaRPr lang="en-US"/>
           </a:p>
@@ -2331,7 +2336,7 @@
           <a:p>
             <a:fld id="{3AA414F1-6BA1-7B4F-8F30-9D0E29539CE9}" type="datetimeFigureOut">
               <a:rPr lang="en-US" smtClean="0"/>
-              <a:t>4/3/24</a:t>
+              <a:t>4/11/24</a:t>
             </a:fld>
             <a:endParaRPr lang="en-US"/>
           </a:p>
@@ -2472,7 +2477,7 @@
           <a:p>
             <a:fld id="{3AA414F1-6BA1-7B4F-8F30-9D0E29539CE9}" type="datetimeFigureOut">
               <a:rPr lang="en-US" smtClean="0"/>
-              <a:t>4/3/24</a:t>
+              <a:t>4/11/24</a:t>
             </a:fld>
             <a:endParaRPr lang="en-US"/>
           </a:p>
@@ -2585,7 +2590,7 @@
           <a:p>
             <a:fld id="{3AA414F1-6BA1-7B4F-8F30-9D0E29539CE9}" type="datetimeFigureOut">
               <a:rPr lang="en-US" smtClean="0"/>
-              <a:t>4/3/24</a:t>
+              <a:t>4/11/24</a:t>
             </a:fld>
             <a:endParaRPr lang="en-US"/>
           </a:p>
@@ -2896,7 +2901,7 @@
           <a:p>
             <a:fld id="{3AA414F1-6BA1-7B4F-8F30-9D0E29539CE9}" type="datetimeFigureOut">
               <a:rPr lang="en-US" smtClean="0"/>
-              <a:t>4/3/24</a:t>
+              <a:t>4/11/24</a:t>
             </a:fld>
             <a:endParaRPr lang="en-US"/>
           </a:p>
@@ -3184,7 +3189,7 @@
           <a:p>
             <a:fld id="{3AA414F1-6BA1-7B4F-8F30-9D0E29539CE9}" type="datetimeFigureOut">
               <a:rPr lang="en-US" smtClean="0"/>
-              <a:t>4/3/24</a:t>
+              <a:t>4/11/24</a:t>
             </a:fld>
             <a:endParaRPr lang="en-US"/>
           </a:p>
@@ -3425,7 +3430,7 @@
           <a:p>
             <a:fld id="{3AA414F1-6BA1-7B4F-8F30-9D0E29539CE9}" type="datetimeFigureOut">
               <a:rPr lang="en-US" smtClean="0"/>
-              <a:t>4/3/24</a:t>
+              <a:t>4/11/24</a:t>
             </a:fld>
             <a:endParaRPr lang="en-US"/>
           </a:p>
@@ -4529,10 +4534,10 @@
       </p:sp>
       <p:pic>
         <p:nvPicPr>
-          <p:cNvPr id="15" name="Audio 14">
+          <p:cNvPr id="16" name="Audio 15">
             <a:extLst>
               <a:ext uri="{FF2B5EF4-FFF2-40B4-BE49-F238E27FC236}">
-                <a16:creationId xmlns:a16="http://schemas.microsoft.com/office/drawing/2014/main" id="{99F22BB3-1340-278D-A9CF-16A1F13BE68D}"/>
+                <a16:creationId xmlns:a16="http://schemas.microsoft.com/office/drawing/2014/main" id="{C5CEF34F-AE97-1932-47F1-280C8A260130}"/>
               </a:ext>
             </a:extLst>
           </p:cNvPr>
@@ -4577,12 +4582,12 @@
   <p:clrMapOvr>
     <a:masterClrMapping/>
   </p:clrMapOvr>
-  <mc:AlternateContent xmlns:mc="http://schemas.openxmlformats.org/markup-compatibility/2006" xmlns:p14="http://schemas.microsoft.com/office/powerpoint/2010/main">
-    <mc:Choice Requires="p14">
-      <p:transition spd="slow" p14:dur="2000" advTm="11570"/>
+  <mc:AlternateContent xmlns:mc="http://schemas.openxmlformats.org/markup-compatibility/2006">
+    <mc:Choice xmlns:p14="http://schemas.microsoft.com/office/powerpoint/2010/main" Requires="p14">
+      <p:transition spd="slow" p14:dur="2000" advTm="39954"/>
     </mc:Choice>
-    <mc:Fallback xmlns="">
-      <p:transition spd="slow" advTm="11570"/>
+    <mc:Fallback>
+      <p:transition spd="slow" advTm="39954"/>
     </mc:Fallback>
   </mc:AlternateContent>
   <p:timing>
@@ -4618,10 +4623,193 @@
                                       <p:cBhvr>
                                         <p:cTn id="6" dur="1" fill="hold"/>
                                         <p:tgtEl>
-                                          <p:spTgt spid="15"/>
+                                          <p:spTgt spid="16"/>
                                         </p:tgtEl>
                                       </p:cBhvr>
                                     </p:cmd>
+                                  </p:childTnLst>
+                                </p:cTn>
+                              </p:par>
+                            </p:childTnLst>
+                          </p:cTn>
+                        </p:par>
+                      </p:childTnLst>
+                    </p:cTn>
+                  </p:par>
+                  <p:par>
+                    <p:cTn id="7" fill="hold">
+                      <p:stCondLst>
+                        <p:cond delay="indefinite"/>
+                      </p:stCondLst>
+                      <p:childTnLst>
+                        <p:par>
+                          <p:cTn id="8" fill="hold">
+                            <p:stCondLst>
+                              <p:cond delay="0"/>
+                            </p:stCondLst>
+                            <p:childTnLst>
+                              <p:par>
+                                <p:cTn id="9" presetID="9" presetClass="entr" presetSubtype="0" fill="hold" nodeType="clickEffect">
+                                  <p:stCondLst>
+                                    <p:cond delay="0"/>
+                                  </p:stCondLst>
+                                  <p:childTnLst>
+                                    <p:set>
+                                      <p:cBhvr>
+                                        <p:cTn id="10" dur="1" fill="hold">
+                                          <p:stCondLst>
+                                            <p:cond delay="0"/>
+                                          </p:stCondLst>
+                                        </p:cTn>
+                                        <p:tgtEl>
+                                          <p:spTgt spid="3">
+                                            <p:txEl>
+                                              <p:pRg st="0" end="0"/>
+                                            </p:txEl>
+                                          </p:spTgt>
+                                        </p:tgtEl>
+                                        <p:attrNameLst>
+                                          <p:attrName>style.visibility</p:attrName>
+                                        </p:attrNameLst>
+                                      </p:cBhvr>
+                                      <p:to>
+                                        <p:strVal val="visible"/>
+                                      </p:to>
+                                    </p:set>
+                                    <p:animEffect transition="in" filter="dissolve">
+                                      <p:cBhvr>
+                                        <p:cTn id="11" dur="500"/>
+                                        <p:tgtEl>
+                                          <p:spTgt spid="3">
+                                            <p:txEl>
+                                              <p:pRg st="0" end="0"/>
+                                            </p:txEl>
+                                          </p:spTgt>
+                                        </p:tgtEl>
+                                      </p:cBhvr>
+                                    </p:animEffect>
+                                  </p:childTnLst>
+                                </p:cTn>
+                              </p:par>
+                            </p:childTnLst>
+                          </p:cTn>
+                        </p:par>
+                      </p:childTnLst>
+                    </p:cTn>
+                  </p:par>
+                  <p:par>
+                    <p:cTn id="12" fill="hold">
+                      <p:stCondLst>
+                        <p:cond delay="indefinite"/>
+                      </p:stCondLst>
+                      <p:childTnLst>
+                        <p:par>
+                          <p:cTn id="13" fill="hold">
+                            <p:stCondLst>
+                              <p:cond delay="0"/>
+                            </p:stCondLst>
+                            <p:childTnLst>
+                              <p:par>
+                                <p:cTn id="14" presetID="9" presetClass="entr" presetSubtype="0" fill="hold" nodeType="clickEffect">
+                                  <p:stCondLst>
+                                    <p:cond delay="0"/>
+                                  </p:stCondLst>
+                                  <p:childTnLst>
+                                    <p:set>
+                                      <p:cBhvr>
+                                        <p:cTn id="15" dur="1" fill="hold">
+                                          <p:stCondLst>
+                                            <p:cond delay="0"/>
+                                          </p:stCondLst>
+                                        </p:cTn>
+                                        <p:tgtEl>
+                                          <p:spTgt spid="3">
+                                            <p:txEl>
+                                              <p:pRg st="2" end="2"/>
+                                            </p:txEl>
+                                          </p:spTgt>
+                                        </p:tgtEl>
+                                        <p:attrNameLst>
+                                          <p:attrName>style.visibility</p:attrName>
+                                        </p:attrNameLst>
+                                      </p:cBhvr>
+                                      <p:to>
+                                        <p:strVal val="visible"/>
+                                      </p:to>
+                                    </p:set>
+                                    <p:animEffect transition="in" filter="dissolve">
+                                      <p:cBhvr>
+                                        <p:cTn id="16" dur="500"/>
+                                        <p:tgtEl>
+                                          <p:spTgt spid="3">
+                                            <p:txEl>
+                                              <p:pRg st="2" end="2"/>
+                                            </p:txEl>
+                                          </p:spTgt>
+                                        </p:tgtEl>
+                                      </p:cBhvr>
+                                    </p:animEffect>
+                                  </p:childTnLst>
+                                </p:cTn>
+                              </p:par>
+                            </p:childTnLst>
+                          </p:cTn>
+                        </p:par>
+                      </p:childTnLst>
+                    </p:cTn>
+                  </p:par>
+                  <p:par>
+                    <p:cTn id="17" fill="hold">
+                      <p:stCondLst>
+                        <p:cond delay="indefinite"/>
+                      </p:stCondLst>
+                      <p:childTnLst>
+                        <p:par>
+                          <p:cTn id="18" fill="hold">
+                            <p:stCondLst>
+                              <p:cond delay="0"/>
+                            </p:stCondLst>
+                            <p:childTnLst>
+                              <p:par>
+                                <p:cTn id="19" presetID="9" presetClass="entr" presetSubtype="0" fill="hold" nodeType="clickEffect">
+                                  <p:stCondLst>
+                                    <p:cond delay="0"/>
+                                  </p:stCondLst>
+                                  <p:childTnLst>
+                                    <p:set>
+                                      <p:cBhvr>
+                                        <p:cTn id="20" dur="1" fill="hold">
+                                          <p:stCondLst>
+                                            <p:cond delay="0"/>
+                                          </p:stCondLst>
+                                        </p:cTn>
+                                        <p:tgtEl>
+                                          <p:spTgt spid="3">
+                                            <p:txEl>
+                                              <p:pRg st="4" end="4"/>
+                                            </p:txEl>
+                                          </p:spTgt>
+                                        </p:tgtEl>
+                                        <p:attrNameLst>
+                                          <p:attrName>style.visibility</p:attrName>
+                                        </p:attrNameLst>
+                                      </p:cBhvr>
+                                      <p:to>
+                                        <p:strVal val="visible"/>
+                                      </p:to>
+                                    </p:set>
+                                    <p:animEffect transition="in" filter="dissolve">
+                                      <p:cBhvr>
+                                        <p:cTn id="21" dur="500"/>
+                                        <p:tgtEl>
+                                          <p:spTgt spid="3">
+                                            <p:txEl>
+                                              <p:pRg st="4" end="4"/>
+                                            </p:txEl>
+                                          </p:spTgt>
+                                        </p:tgtEl>
+                                      </p:cBhvr>
+                                    </p:animEffect>
                                   </p:childTnLst>
                                 </p:cTn>
                               </p:par>
@@ -4650,7 +4838,7 @@
             </p:seq>
             <p:audio isNarration="1">
               <p:cMediaNode vol="80000" showWhenStopped="0">
-                <p:cTn id="7" fill="hold" display="0">
+                <p:cTn id="22" fill="hold" display="0">
                   <p:stCondLst>
                     <p:cond delay="indefinite"/>
                   </p:stCondLst>
@@ -4663,7 +4851,7 @@
                   </p:endCondLst>
                 </p:cTn>
                 <p:tgtEl>
-                  <p:spTgt spid="15"/>
+                  <p:spTgt spid="16"/>
                 </p:tgtEl>
               </p:cMediaNode>
             </p:audio>
@@ -5875,12 +6063,320 @@
           </p:sp>
         </p:grpSp>
       </p:grpSp>
+      <p:sp>
+        <p:nvSpPr>
+          <p:cNvPr id="4" name="Content Placeholder 2">
+            <a:extLst>
+              <a:ext uri="{FF2B5EF4-FFF2-40B4-BE49-F238E27FC236}">
+                <a16:creationId xmlns:a16="http://schemas.microsoft.com/office/drawing/2014/main" id="{17E2D29D-49BD-D22E-9CA7-C0F88B0420AD}"/>
+              </a:ext>
+            </a:extLst>
+          </p:cNvPr>
+          <p:cNvSpPr>
+            <a:spLocks noGrp="1"/>
+          </p:cNvSpPr>
+          <p:nvPr>
+            <p:ph idx="1"/>
+          </p:nvPr>
+        </p:nvSpPr>
+        <p:spPr>
+          <a:xfrm>
+            <a:off x="838200" y="1881954"/>
+            <a:ext cx="10515600" cy="793802"/>
+          </a:xfrm>
+        </p:spPr>
+        <p:txBody>
+          <a:bodyPr>
+            <a:normAutofit/>
+          </a:bodyPr>
+          <a:lstStyle/>
+          <a:p>
+            <a:pPr marL="0" indent="0" algn="ctr">
+              <a:buNone/>
+            </a:pPr>
+            <a:r>
+              <a:rPr lang="en-US" altLang="zh-CN" b="1" dirty="0">
+                <a:solidFill>
+                  <a:srgbClr val="FF0000"/>
+                </a:solidFill>
+                <a:latin typeface="Calibri" panose="020F0502020204030204" pitchFamily="34" charset="0"/>
+                <a:cs typeface="Calibri" panose="020F0502020204030204" pitchFamily="34" charset="0"/>
+              </a:rPr>
+              <a:t>To</a:t>
+            </a:r>
+            <a:r>
+              <a:rPr lang="zh-CN" altLang="en-US" b="1" dirty="0">
+                <a:solidFill>
+                  <a:srgbClr val="FF0000"/>
+                </a:solidFill>
+                <a:latin typeface="Calibri" panose="020F0502020204030204" pitchFamily="34" charset="0"/>
+                <a:cs typeface="Calibri" panose="020F0502020204030204" pitchFamily="34" charset="0"/>
+              </a:rPr>
+              <a:t> </a:t>
+            </a:r>
+            <a:r>
+              <a:rPr lang="en-US" altLang="zh-CN" b="1" dirty="0">
+                <a:solidFill>
+                  <a:srgbClr val="FF0000"/>
+                </a:solidFill>
+                <a:latin typeface="Calibri" panose="020F0502020204030204" pitchFamily="34" charset="0"/>
+                <a:cs typeface="Calibri" panose="020F0502020204030204" pitchFamily="34" charset="0"/>
+              </a:rPr>
+              <a:t>know</a:t>
+            </a:r>
+            <a:r>
+              <a:rPr lang="zh-CN" altLang="en-US" b="1" dirty="0">
+                <a:solidFill>
+                  <a:srgbClr val="FF0000"/>
+                </a:solidFill>
+                <a:latin typeface="Calibri" panose="020F0502020204030204" pitchFamily="34" charset="0"/>
+                <a:cs typeface="Calibri" panose="020F0502020204030204" pitchFamily="34" charset="0"/>
+              </a:rPr>
+              <a:t> </a:t>
+            </a:r>
+            <a:r>
+              <a:rPr lang="en-US" altLang="zh-CN" b="1" dirty="0">
+                <a:solidFill>
+                  <a:srgbClr val="FF0000"/>
+                </a:solidFill>
+                <a:latin typeface="Calibri" panose="020F0502020204030204" pitchFamily="34" charset="0"/>
+                <a:cs typeface="Calibri" panose="020F0502020204030204" pitchFamily="34" charset="0"/>
+              </a:rPr>
+              <a:t>which</a:t>
+            </a:r>
+            <a:r>
+              <a:rPr lang="zh-CN" altLang="en-US" b="1" dirty="0">
+                <a:solidFill>
+                  <a:srgbClr val="FF0000"/>
+                </a:solidFill>
+                <a:latin typeface="Calibri" panose="020F0502020204030204" pitchFamily="34" charset="0"/>
+                <a:cs typeface="Calibri" panose="020F0502020204030204" pitchFamily="34" charset="0"/>
+              </a:rPr>
+              <a:t> </a:t>
+            </a:r>
+            <a:r>
+              <a:rPr lang="en-US" altLang="zh-CN" b="1" dirty="0">
+                <a:solidFill>
+                  <a:srgbClr val="FF0000"/>
+                </a:solidFill>
+                <a:latin typeface="Calibri" panose="020F0502020204030204" pitchFamily="34" charset="0"/>
+                <a:cs typeface="Calibri" panose="020F0502020204030204" pitchFamily="34" charset="0"/>
+              </a:rPr>
+              <a:t>game</a:t>
+            </a:r>
+            <a:r>
+              <a:rPr lang="zh-CN" altLang="en-US" b="1" dirty="0">
+                <a:solidFill>
+                  <a:srgbClr val="FF0000"/>
+                </a:solidFill>
+                <a:latin typeface="Calibri" panose="020F0502020204030204" pitchFamily="34" charset="0"/>
+                <a:cs typeface="Calibri" panose="020F0502020204030204" pitchFamily="34" charset="0"/>
+              </a:rPr>
+              <a:t> </a:t>
+            </a:r>
+            <a:r>
+              <a:rPr lang="en-US" altLang="zh-CN" b="1" dirty="0">
+                <a:solidFill>
+                  <a:srgbClr val="FF0000"/>
+                </a:solidFill>
+                <a:latin typeface="Calibri" panose="020F0502020204030204" pitchFamily="34" charset="0"/>
+                <a:cs typeface="Calibri" panose="020F0502020204030204" pitchFamily="34" charset="0"/>
+              </a:rPr>
+              <a:t>you’re</a:t>
+            </a:r>
+            <a:r>
+              <a:rPr lang="zh-CN" altLang="en-US" b="1" dirty="0">
+                <a:solidFill>
+                  <a:srgbClr val="FF0000"/>
+                </a:solidFill>
+                <a:latin typeface="Calibri" panose="020F0502020204030204" pitchFamily="34" charset="0"/>
+                <a:cs typeface="Calibri" panose="020F0502020204030204" pitchFamily="34" charset="0"/>
+              </a:rPr>
+              <a:t> </a:t>
+            </a:r>
+            <a:r>
+              <a:rPr lang="en-US" altLang="zh-CN" b="1" dirty="0">
+                <a:solidFill>
+                  <a:srgbClr val="FF0000"/>
+                </a:solidFill>
+                <a:latin typeface="Calibri" panose="020F0502020204030204" pitchFamily="34" charset="0"/>
+                <a:cs typeface="Calibri" panose="020F0502020204030204" pitchFamily="34" charset="0"/>
+              </a:rPr>
+              <a:t>playing,</a:t>
+            </a:r>
+            <a:r>
+              <a:rPr lang="zh-CN" altLang="en-US" b="1" dirty="0">
+                <a:solidFill>
+                  <a:srgbClr val="FF0000"/>
+                </a:solidFill>
+                <a:latin typeface="Calibri" panose="020F0502020204030204" pitchFamily="34" charset="0"/>
+                <a:cs typeface="Calibri" panose="020F0502020204030204" pitchFamily="34" charset="0"/>
+              </a:rPr>
+              <a:t> </a:t>
+            </a:r>
+            <a:r>
+              <a:rPr lang="en-US" altLang="zh-CN" b="1" dirty="0">
+                <a:solidFill>
+                  <a:srgbClr val="FF0000"/>
+                </a:solidFill>
+                <a:latin typeface="Calibri" panose="020F0502020204030204" pitchFamily="34" charset="0"/>
+                <a:cs typeface="Calibri" panose="020F0502020204030204" pitchFamily="34" charset="0"/>
+              </a:rPr>
+              <a:t>the</a:t>
+            </a:r>
+            <a:r>
+              <a:rPr lang="zh-CN" altLang="en-US" b="1" dirty="0">
+                <a:solidFill>
+                  <a:srgbClr val="FF0000"/>
+                </a:solidFill>
+                <a:latin typeface="Calibri" panose="020F0502020204030204" pitchFamily="34" charset="0"/>
+                <a:cs typeface="Calibri" panose="020F0502020204030204" pitchFamily="34" charset="0"/>
+              </a:rPr>
+              <a:t> </a:t>
+            </a:r>
+            <a:r>
+              <a:rPr lang="en-US" altLang="zh-CN" b="1" dirty="0">
+                <a:solidFill>
+                  <a:srgbClr val="FF0000"/>
+                </a:solidFill>
+                <a:latin typeface="Calibri" panose="020F0502020204030204" pitchFamily="34" charset="0"/>
+                <a:cs typeface="Calibri" panose="020F0502020204030204" pitchFamily="34" charset="0"/>
+              </a:rPr>
+              <a:t>only</a:t>
+            </a:r>
+            <a:r>
+              <a:rPr lang="zh-CN" altLang="en-US" b="1" dirty="0">
+                <a:solidFill>
+                  <a:srgbClr val="FF0000"/>
+                </a:solidFill>
+                <a:latin typeface="Calibri" panose="020F0502020204030204" pitchFamily="34" charset="0"/>
+                <a:cs typeface="Calibri" panose="020F0502020204030204" pitchFamily="34" charset="0"/>
+              </a:rPr>
+              <a:t> </a:t>
+            </a:r>
+            <a:r>
+              <a:rPr lang="en-US" altLang="zh-CN" b="1" dirty="0">
+                <a:solidFill>
+                  <a:srgbClr val="FF0000"/>
+                </a:solidFill>
+                <a:latin typeface="Calibri" panose="020F0502020204030204" pitchFamily="34" charset="0"/>
+                <a:cs typeface="Calibri" panose="020F0502020204030204" pitchFamily="34" charset="0"/>
+              </a:rPr>
+              <a:t>way</a:t>
+            </a:r>
+            <a:r>
+              <a:rPr lang="zh-CN" altLang="en-US" b="1" dirty="0">
+                <a:solidFill>
+                  <a:srgbClr val="FF0000"/>
+                </a:solidFill>
+                <a:latin typeface="Calibri" panose="020F0502020204030204" pitchFamily="34" charset="0"/>
+                <a:cs typeface="Calibri" panose="020F0502020204030204" pitchFamily="34" charset="0"/>
+              </a:rPr>
+              <a:t> </a:t>
+            </a:r>
+            <a:r>
+              <a:rPr lang="en-US" altLang="zh-CN" b="1" dirty="0">
+                <a:solidFill>
+                  <a:srgbClr val="FF0000"/>
+                </a:solidFill>
+                <a:latin typeface="Calibri" panose="020F0502020204030204" pitchFamily="34" charset="0"/>
+                <a:cs typeface="Calibri" panose="020F0502020204030204" pitchFamily="34" charset="0"/>
+              </a:rPr>
+              <a:t>is</a:t>
+            </a:r>
+            <a:r>
+              <a:rPr lang="zh-CN" altLang="en-US" b="1" dirty="0">
+                <a:solidFill>
+                  <a:srgbClr val="FF0000"/>
+                </a:solidFill>
+                <a:latin typeface="Calibri" panose="020F0502020204030204" pitchFamily="34" charset="0"/>
+                <a:cs typeface="Calibri" panose="020F0502020204030204" pitchFamily="34" charset="0"/>
+              </a:rPr>
+              <a:t> </a:t>
+            </a:r>
+            <a:r>
+              <a:rPr lang="en-US" altLang="zh-CN" b="1" dirty="0">
+                <a:solidFill>
+                  <a:srgbClr val="FF0000"/>
+                </a:solidFill>
+                <a:latin typeface="Calibri" panose="020F0502020204030204" pitchFamily="34" charset="0"/>
+                <a:cs typeface="Calibri" panose="020F0502020204030204" pitchFamily="34" charset="0"/>
+              </a:rPr>
+              <a:t>to</a:t>
+            </a:r>
+            <a:r>
+              <a:rPr lang="zh-CN" altLang="en-US" b="1" dirty="0">
+                <a:solidFill>
+                  <a:srgbClr val="FF0000"/>
+                </a:solidFill>
+                <a:latin typeface="Calibri" panose="020F0502020204030204" pitchFamily="34" charset="0"/>
+                <a:cs typeface="Calibri" panose="020F0502020204030204" pitchFamily="34" charset="0"/>
+              </a:rPr>
+              <a:t> </a:t>
+            </a:r>
+            <a:r>
+              <a:rPr lang="en-US" altLang="zh-CN" b="1" dirty="0">
+                <a:solidFill>
+                  <a:srgbClr val="FF0000"/>
+                </a:solidFill>
+                <a:latin typeface="Calibri" panose="020F0502020204030204" pitchFamily="34" charset="0"/>
+                <a:cs typeface="Calibri" panose="020F0502020204030204" pitchFamily="34" charset="0"/>
+              </a:rPr>
+              <a:t>try</a:t>
+            </a:r>
+            <a:r>
+              <a:rPr lang="zh-CN" altLang="en-US" b="1" dirty="0">
+                <a:solidFill>
+                  <a:srgbClr val="FF0000"/>
+                </a:solidFill>
+                <a:latin typeface="Calibri" panose="020F0502020204030204" pitchFamily="34" charset="0"/>
+                <a:cs typeface="Calibri" panose="020F0502020204030204" pitchFamily="34" charset="0"/>
+              </a:rPr>
+              <a:t> </a:t>
+            </a:r>
+            <a:r>
+              <a:rPr lang="en-US" altLang="zh-CN" b="1" dirty="0">
+                <a:solidFill>
+                  <a:srgbClr val="FF0000"/>
+                </a:solidFill>
+                <a:latin typeface="Calibri" panose="020F0502020204030204" pitchFamily="34" charset="0"/>
+                <a:cs typeface="Calibri" panose="020F0502020204030204" pitchFamily="34" charset="0"/>
+              </a:rPr>
+              <a:t>it</a:t>
+            </a:r>
+            <a:r>
+              <a:rPr lang="zh-CN" altLang="en-US" b="1" dirty="0">
+                <a:solidFill>
+                  <a:srgbClr val="FF0000"/>
+                </a:solidFill>
+                <a:latin typeface="Calibri" panose="020F0502020204030204" pitchFamily="34" charset="0"/>
+                <a:cs typeface="Calibri" panose="020F0502020204030204" pitchFamily="34" charset="0"/>
+              </a:rPr>
+              <a:t> </a:t>
+            </a:r>
+            <a:r>
+              <a:rPr lang="en-US" altLang="zh-CN" b="1" dirty="0">
+                <a:solidFill>
+                  <a:srgbClr val="FF0000"/>
+                </a:solidFill>
+                <a:latin typeface="Calibri" panose="020F0502020204030204" pitchFamily="34" charset="0"/>
+                <a:cs typeface="Calibri" panose="020F0502020204030204" pitchFamily="34" charset="0"/>
+              </a:rPr>
+              <a:t>out!</a:t>
+            </a:r>
+            <a:endParaRPr lang="en-US" dirty="0">
+              <a:latin typeface="Calibri" panose="020F0502020204030204" pitchFamily="34" charset="0"/>
+              <a:cs typeface="Calibri" panose="020F0502020204030204" pitchFamily="34" charset="0"/>
+            </a:endParaRPr>
+          </a:p>
+        </p:txBody>
+      </p:sp>
       <p:pic>
         <p:nvPicPr>
-          <p:cNvPr id="15" name="Audio 14">
+          <p:cNvPr id="33" name="Audio 32">
             <a:extLst>
               <a:ext uri="{FF2B5EF4-FFF2-40B4-BE49-F238E27FC236}">
-                <a16:creationId xmlns:a16="http://schemas.microsoft.com/office/drawing/2014/main" id="{99F22BB3-1340-278D-A9CF-16A1F13BE68D}"/>
+                <a16:creationId xmlns:a16="http://schemas.microsoft.com/office/drawing/2014/main" id="{99588F9C-604B-B195-867C-D267FE8FBD66}"/>
               </a:ext>
             </a:extLst>
           </p:cNvPr>
@@ -5912,314 +6408,6 @@
           </a:prstGeom>
         </p:spPr>
       </p:pic>
-      <p:sp>
-        <p:nvSpPr>
-          <p:cNvPr id="4" name="Content Placeholder 2">
-            <a:extLst>
-              <a:ext uri="{FF2B5EF4-FFF2-40B4-BE49-F238E27FC236}">
-                <a16:creationId xmlns:a16="http://schemas.microsoft.com/office/drawing/2014/main" id="{17E2D29D-49BD-D22E-9CA7-C0F88B0420AD}"/>
-              </a:ext>
-            </a:extLst>
-          </p:cNvPr>
-          <p:cNvSpPr>
-            <a:spLocks noGrp="1"/>
-          </p:cNvSpPr>
-          <p:nvPr>
-            <p:ph idx="1"/>
-          </p:nvPr>
-        </p:nvSpPr>
-        <p:spPr>
-          <a:xfrm>
-            <a:off x="838200" y="1881954"/>
-            <a:ext cx="10515600" cy="793802"/>
-          </a:xfrm>
-        </p:spPr>
-        <p:txBody>
-          <a:bodyPr>
-            <a:normAutofit/>
-          </a:bodyPr>
-          <a:lstStyle/>
-          <a:p>
-            <a:pPr marL="0" indent="0" algn="ctr">
-              <a:buNone/>
-            </a:pPr>
-            <a:r>
-              <a:rPr lang="en-US" altLang="zh-CN" b="1" dirty="0">
-                <a:solidFill>
-                  <a:srgbClr val="FF0000"/>
-                </a:solidFill>
-                <a:latin typeface="Calibri" panose="020F0502020204030204" pitchFamily="34" charset="0"/>
-                <a:cs typeface="Calibri" panose="020F0502020204030204" pitchFamily="34" charset="0"/>
-              </a:rPr>
-              <a:t>To</a:t>
-            </a:r>
-            <a:r>
-              <a:rPr lang="zh-CN" altLang="en-US" b="1" dirty="0">
-                <a:solidFill>
-                  <a:srgbClr val="FF0000"/>
-                </a:solidFill>
-                <a:latin typeface="Calibri" panose="020F0502020204030204" pitchFamily="34" charset="0"/>
-                <a:cs typeface="Calibri" panose="020F0502020204030204" pitchFamily="34" charset="0"/>
-              </a:rPr>
-              <a:t> </a:t>
-            </a:r>
-            <a:r>
-              <a:rPr lang="en-US" altLang="zh-CN" b="1" dirty="0">
-                <a:solidFill>
-                  <a:srgbClr val="FF0000"/>
-                </a:solidFill>
-                <a:latin typeface="Calibri" panose="020F0502020204030204" pitchFamily="34" charset="0"/>
-                <a:cs typeface="Calibri" panose="020F0502020204030204" pitchFamily="34" charset="0"/>
-              </a:rPr>
-              <a:t>know</a:t>
-            </a:r>
-            <a:r>
-              <a:rPr lang="zh-CN" altLang="en-US" b="1" dirty="0">
-                <a:solidFill>
-                  <a:srgbClr val="FF0000"/>
-                </a:solidFill>
-                <a:latin typeface="Calibri" panose="020F0502020204030204" pitchFamily="34" charset="0"/>
-                <a:cs typeface="Calibri" panose="020F0502020204030204" pitchFamily="34" charset="0"/>
-              </a:rPr>
-              <a:t> </a:t>
-            </a:r>
-            <a:r>
-              <a:rPr lang="en-US" altLang="zh-CN" b="1" dirty="0">
-                <a:solidFill>
-                  <a:srgbClr val="FF0000"/>
-                </a:solidFill>
-                <a:latin typeface="Calibri" panose="020F0502020204030204" pitchFamily="34" charset="0"/>
-                <a:cs typeface="Calibri" panose="020F0502020204030204" pitchFamily="34" charset="0"/>
-              </a:rPr>
-              <a:t>which</a:t>
-            </a:r>
-            <a:r>
-              <a:rPr lang="zh-CN" altLang="en-US" b="1" dirty="0">
-                <a:solidFill>
-                  <a:srgbClr val="FF0000"/>
-                </a:solidFill>
-                <a:latin typeface="Calibri" panose="020F0502020204030204" pitchFamily="34" charset="0"/>
-                <a:cs typeface="Calibri" panose="020F0502020204030204" pitchFamily="34" charset="0"/>
-              </a:rPr>
-              <a:t> </a:t>
-            </a:r>
-            <a:r>
-              <a:rPr lang="en-US" altLang="zh-CN" b="1" dirty="0">
-                <a:solidFill>
-                  <a:srgbClr val="FF0000"/>
-                </a:solidFill>
-                <a:latin typeface="Calibri" panose="020F0502020204030204" pitchFamily="34" charset="0"/>
-                <a:cs typeface="Calibri" panose="020F0502020204030204" pitchFamily="34" charset="0"/>
-              </a:rPr>
-              <a:t>game</a:t>
-            </a:r>
-            <a:r>
-              <a:rPr lang="zh-CN" altLang="en-US" b="1" dirty="0">
-                <a:solidFill>
-                  <a:srgbClr val="FF0000"/>
-                </a:solidFill>
-                <a:latin typeface="Calibri" panose="020F0502020204030204" pitchFamily="34" charset="0"/>
-                <a:cs typeface="Calibri" panose="020F0502020204030204" pitchFamily="34" charset="0"/>
-              </a:rPr>
-              <a:t> </a:t>
-            </a:r>
-            <a:r>
-              <a:rPr lang="en-US" altLang="zh-CN" b="1" dirty="0">
-                <a:solidFill>
-                  <a:srgbClr val="FF0000"/>
-                </a:solidFill>
-                <a:latin typeface="Calibri" panose="020F0502020204030204" pitchFamily="34" charset="0"/>
-                <a:cs typeface="Calibri" panose="020F0502020204030204" pitchFamily="34" charset="0"/>
-              </a:rPr>
-              <a:t>you’re</a:t>
-            </a:r>
-            <a:r>
-              <a:rPr lang="zh-CN" altLang="en-US" b="1" dirty="0">
-                <a:solidFill>
-                  <a:srgbClr val="FF0000"/>
-                </a:solidFill>
-                <a:latin typeface="Calibri" panose="020F0502020204030204" pitchFamily="34" charset="0"/>
-                <a:cs typeface="Calibri" panose="020F0502020204030204" pitchFamily="34" charset="0"/>
-              </a:rPr>
-              <a:t> </a:t>
-            </a:r>
-            <a:r>
-              <a:rPr lang="en-US" altLang="zh-CN" b="1" dirty="0">
-                <a:solidFill>
-                  <a:srgbClr val="FF0000"/>
-                </a:solidFill>
-                <a:latin typeface="Calibri" panose="020F0502020204030204" pitchFamily="34" charset="0"/>
-                <a:cs typeface="Calibri" panose="020F0502020204030204" pitchFamily="34" charset="0"/>
-              </a:rPr>
-              <a:t>playing,</a:t>
-            </a:r>
-            <a:r>
-              <a:rPr lang="zh-CN" altLang="en-US" b="1" dirty="0">
-                <a:solidFill>
-                  <a:srgbClr val="FF0000"/>
-                </a:solidFill>
-                <a:latin typeface="Calibri" panose="020F0502020204030204" pitchFamily="34" charset="0"/>
-                <a:cs typeface="Calibri" panose="020F0502020204030204" pitchFamily="34" charset="0"/>
-              </a:rPr>
-              <a:t> </a:t>
-            </a:r>
-            <a:r>
-              <a:rPr lang="en-US" altLang="zh-CN" b="1" dirty="0">
-                <a:solidFill>
-                  <a:srgbClr val="FF0000"/>
-                </a:solidFill>
-                <a:latin typeface="Calibri" panose="020F0502020204030204" pitchFamily="34" charset="0"/>
-                <a:cs typeface="Calibri" panose="020F0502020204030204" pitchFamily="34" charset="0"/>
-              </a:rPr>
-              <a:t>the</a:t>
-            </a:r>
-            <a:r>
-              <a:rPr lang="zh-CN" altLang="en-US" b="1" dirty="0">
-                <a:solidFill>
-                  <a:srgbClr val="FF0000"/>
-                </a:solidFill>
-                <a:latin typeface="Calibri" panose="020F0502020204030204" pitchFamily="34" charset="0"/>
-                <a:cs typeface="Calibri" panose="020F0502020204030204" pitchFamily="34" charset="0"/>
-              </a:rPr>
-              <a:t> </a:t>
-            </a:r>
-            <a:r>
-              <a:rPr lang="en-US" altLang="zh-CN" b="1" dirty="0">
-                <a:solidFill>
-                  <a:srgbClr val="FF0000"/>
-                </a:solidFill>
-                <a:latin typeface="Calibri" panose="020F0502020204030204" pitchFamily="34" charset="0"/>
-                <a:cs typeface="Calibri" panose="020F0502020204030204" pitchFamily="34" charset="0"/>
-              </a:rPr>
-              <a:t>only</a:t>
-            </a:r>
-            <a:r>
-              <a:rPr lang="zh-CN" altLang="en-US" b="1" dirty="0">
-                <a:solidFill>
-                  <a:srgbClr val="FF0000"/>
-                </a:solidFill>
-                <a:latin typeface="Calibri" panose="020F0502020204030204" pitchFamily="34" charset="0"/>
-                <a:cs typeface="Calibri" panose="020F0502020204030204" pitchFamily="34" charset="0"/>
-              </a:rPr>
-              <a:t> </a:t>
-            </a:r>
-            <a:r>
-              <a:rPr lang="en-US" altLang="zh-CN" b="1" dirty="0">
-                <a:solidFill>
-                  <a:srgbClr val="FF0000"/>
-                </a:solidFill>
-                <a:latin typeface="Calibri" panose="020F0502020204030204" pitchFamily="34" charset="0"/>
-                <a:cs typeface="Calibri" panose="020F0502020204030204" pitchFamily="34" charset="0"/>
-              </a:rPr>
-              <a:t>way</a:t>
-            </a:r>
-            <a:r>
-              <a:rPr lang="zh-CN" altLang="en-US" b="1" dirty="0">
-                <a:solidFill>
-                  <a:srgbClr val="FF0000"/>
-                </a:solidFill>
-                <a:latin typeface="Calibri" panose="020F0502020204030204" pitchFamily="34" charset="0"/>
-                <a:cs typeface="Calibri" panose="020F0502020204030204" pitchFamily="34" charset="0"/>
-              </a:rPr>
-              <a:t> </a:t>
-            </a:r>
-            <a:r>
-              <a:rPr lang="en-US" altLang="zh-CN" b="1" dirty="0">
-                <a:solidFill>
-                  <a:srgbClr val="FF0000"/>
-                </a:solidFill>
-                <a:latin typeface="Calibri" panose="020F0502020204030204" pitchFamily="34" charset="0"/>
-                <a:cs typeface="Calibri" panose="020F0502020204030204" pitchFamily="34" charset="0"/>
-              </a:rPr>
-              <a:t>is</a:t>
-            </a:r>
-            <a:r>
-              <a:rPr lang="zh-CN" altLang="en-US" b="1" dirty="0">
-                <a:solidFill>
-                  <a:srgbClr val="FF0000"/>
-                </a:solidFill>
-                <a:latin typeface="Calibri" panose="020F0502020204030204" pitchFamily="34" charset="0"/>
-                <a:cs typeface="Calibri" panose="020F0502020204030204" pitchFamily="34" charset="0"/>
-              </a:rPr>
-              <a:t> </a:t>
-            </a:r>
-            <a:r>
-              <a:rPr lang="en-US" altLang="zh-CN" b="1" dirty="0">
-                <a:solidFill>
-                  <a:srgbClr val="FF0000"/>
-                </a:solidFill>
-                <a:latin typeface="Calibri" panose="020F0502020204030204" pitchFamily="34" charset="0"/>
-                <a:cs typeface="Calibri" panose="020F0502020204030204" pitchFamily="34" charset="0"/>
-              </a:rPr>
-              <a:t>to</a:t>
-            </a:r>
-            <a:r>
-              <a:rPr lang="zh-CN" altLang="en-US" b="1" dirty="0">
-                <a:solidFill>
-                  <a:srgbClr val="FF0000"/>
-                </a:solidFill>
-                <a:latin typeface="Calibri" panose="020F0502020204030204" pitchFamily="34" charset="0"/>
-                <a:cs typeface="Calibri" panose="020F0502020204030204" pitchFamily="34" charset="0"/>
-              </a:rPr>
-              <a:t> </a:t>
-            </a:r>
-            <a:r>
-              <a:rPr lang="en-US" altLang="zh-CN" b="1" dirty="0">
-                <a:solidFill>
-                  <a:srgbClr val="FF0000"/>
-                </a:solidFill>
-                <a:latin typeface="Calibri" panose="020F0502020204030204" pitchFamily="34" charset="0"/>
-                <a:cs typeface="Calibri" panose="020F0502020204030204" pitchFamily="34" charset="0"/>
-              </a:rPr>
-              <a:t>try</a:t>
-            </a:r>
-            <a:r>
-              <a:rPr lang="zh-CN" altLang="en-US" b="1" dirty="0">
-                <a:solidFill>
-                  <a:srgbClr val="FF0000"/>
-                </a:solidFill>
-                <a:latin typeface="Calibri" panose="020F0502020204030204" pitchFamily="34" charset="0"/>
-                <a:cs typeface="Calibri" panose="020F0502020204030204" pitchFamily="34" charset="0"/>
-              </a:rPr>
-              <a:t> </a:t>
-            </a:r>
-            <a:r>
-              <a:rPr lang="en-US" altLang="zh-CN" b="1" dirty="0">
-                <a:solidFill>
-                  <a:srgbClr val="FF0000"/>
-                </a:solidFill>
-                <a:latin typeface="Calibri" panose="020F0502020204030204" pitchFamily="34" charset="0"/>
-                <a:cs typeface="Calibri" panose="020F0502020204030204" pitchFamily="34" charset="0"/>
-              </a:rPr>
-              <a:t>it</a:t>
-            </a:r>
-            <a:r>
-              <a:rPr lang="zh-CN" altLang="en-US" b="1" dirty="0">
-                <a:solidFill>
-                  <a:srgbClr val="FF0000"/>
-                </a:solidFill>
-                <a:latin typeface="Calibri" panose="020F0502020204030204" pitchFamily="34" charset="0"/>
-                <a:cs typeface="Calibri" panose="020F0502020204030204" pitchFamily="34" charset="0"/>
-              </a:rPr>
-              <a:t> </a:t>
-            </a:r>
-            <a:r>
-              <a:rPr lang="en-US" altLang="zh-CN" b="1" dirty="0">
-                <a:solidFill>
-                  <a:srgbClr val="FF0000"/>
-                </a:solidFill>
-                <a:latin typeface="Calibri" panose="020F0502020204030204" pitchFamily="34" charset="0"/>
-                <a:cs typeface="Calibri" panose="020F0502020204030204" pitchFamily="34" charset="0"/>
-              </a:rPr>
-              <a:t>out!</a:t>
-            </a:r>
-            <a:endParaRPr lang="en-US" dirty="0">
-              <a:latin typeface="Calibri" panose="020F0502020204030204" pitchFamily="34" charset="0"/>
-              <a:cs typeface="Calibri" panose="020F0502020204030204" pitchFamily="34" charset="0"/>
-            </a:endParaRPr>
-          </a:p>
-        </p:txBody>
-      </p:sp>
     </p:spTree>
     <p:custDataLst>
       <p:tags r:id="rId1"/>
@@ -6233,12 +6421,12 @@
   <p:clrMapOvr>
     <a:masterClrMapping/>
   </p:clrMapOvr>
-  <mc:AlternateContent xmlns:mc="http://schemas.openxmlformats.org/markup-compatibility/2006" xmlns:p14="http://schemas.microsoft.com/office/powerpoint/2010/main">
-    <mc:Choice Requires="p14">
-      <p:transition spd="slow" p14:dur="2000" advTm="11570"/>
+  <mc:AlternateContent xmlns:mc="http://schemas.openxmlformats.org/markup-compatibility/2006">
+    <mc:Choice xmlns:p14="http://schemas.microsoft.com/office/powerpoint/2010/main" Requires="p14">
+      <p:transition spd="slow" p14:dur="2000" advTm="36377"/>
     </mc:Choice>
-    <mc:Fallback xmlns="">
-      <p:transition spd="slow" advTm="11570"/>
+    <mc:Fallback>
+      <p:transition spd="slow" advTm="36377"/>
     </mc:Fallback>
   </mc:AlternateContent>
   <p:timing>
@@ -6274,10 +6462,71 @@
                                       <p:cBhvr>
                                         <p:cTn id="6" dur="1" fill="hold"/>
                                         <p:tgtEl>
-                                          <p:spTgt spid="15"/>
+                                          <p:spTgt spid="33"/>
                                         </p:tgtEl>
                                       </p:cBhvr>
                                     </p:cmd>
+                                  </p:childTnLst>
+                                </p:cTn>
+                              </p:par>
+                            </p:childTnLst>
+                          </p:cTn>
+                        </p:par>
+                      </p:childTnLst>
+                    </p:cTn>
+                  </p:par>
+                  <p:par>
+                    <p:cTn id="7" fill="hold">
+                      <p:stCondLst>
+                        <p:cond delay="indefinite"/>
+                      </p:stCondLst>
+                      <p:childTnLst>
+                        <p:par>
+                          <p:cTn id="8" fill="hold">
+                            <p:stCondLst>
+                              <p:cond delay="0"/>
+                            </p:stCondLst>
+                            <p:childTnLst>
+                              <p:par>
+                                <p:cTn id="9" presetID="9" presetClass="entr" presetSubtype="0" fill="hold" grpId="0" nodeType="clickEffect">
+                                  <p:stCondLst>
+                                    <p:cond delay="0"/>
+                                  </p:stCondLst>
+                                  <p:childTnLst>
+                                    <p:set>
+                                      <p:cBhvr>
+                                        <p:cTn id="10" dur="1" fill="hold">
+                                          <p:stCondLst>
+                                            <p:cond delay="0"/>
+                                          </p:stCondLst>
+                                        </p:cTn>
+                                        <p:tgtEl>
+                                          <p:spTgt spid="4">
+                                            <p:txEl>
+                                              <p:pRg st="0" end="0"/>
+                                            </p:txEl>
+                                          </p:spTgt>
+                                        </p:tgtEl>
+                                        <p:attrNameLst>
+                                          <p:attrName>style.visibility</p:attrName>
+                                        </p:attrNameLst>
+                                      </p:cBhvr>
+                                      <p:to>
+                                        <p:strVal val="visible"/>
+                                      </p:to>
+                                    </p:set>
+                                    <p:animEffect transition="in" filter="dissolve">
+                                      <p:cBhvr>
+                                        <p:cTn id="11" dur="500"/>
+                                        <p:tgtEl>
+                                          <p:spTgt spid="4">
+                                            <p:txEl>
+                                              <p:pRg st="0" end="0"/>
+                                            </p:txEl>
+                                          </p:spTgt>
+                                        </p:tgtEl>
+                                      </p:cBhvr>
+                                    </p:animEffect>
                                   </p:childTnLst>
                                 </p:cTn>
                               </p:par>
@@ -6306,7 +6555,7 @@
             </p:seq>
             <p:audio isNarration="1">
               <p:cMediaNode vol="80000" showWhenStopped="0">
-                <p:cTn id="7" fill="hold" display="0">
+                <p:cTn id="12" fill="hold" display="0">
                   <p:stCondLst>
                     <p:cond delay="indefinite"/>
                   </p:stCondLst>
@@ -6319,7 +6568,7 @@
                   </p:endCondLst>
                 </p:cTn>
                 <p:tgtEl>
-                  <p:spTgt spid="15"/>
+                  <p:spTgt spid="33"/>
                 </p:tgtEl>
               </p:cMediaNode>
             </p:audio>
@@ -6327,19 +6576,22 @@
         </p:cTn>
       </p:par>
     </p:tnLst>
+    <p:bldLst>
+      <p:bldP spid="4" grpId="0" build="p"/>
+    </p:bldLst>
   </p:timing>
 </p:sld>
 </file>
 
 <file path=ppt/tags/tag1.xml><?xml version="1.0" encoding="utf-8"?>
 <p:tagLst xmlns:a="http://schemas.openxmlformats.org/drawingml/2006/main" xmlns:r="http://schemas.openxmlformats.org/officeDocument/2006/relationships" xmlns:p="http://schemas.openxmlformats.org/presentationml/2006/main">
-  <p:tag name="TIMING" val="|3.7|17.6|6.9"/>
+  <p:tag name="TIMING" val="|4|14.5|8.9"/>
 </p:tagLst>
 </file>
 
 <file path=ppt/tags/tag2.xml><?xml version="1.0" encoding="utf-8"?>
 <p:tagLst xmlns:a="http://schemas.openxmlformats.org/drawingml/2006/main" xmlns:r="http://schemas.openxmlformats.org/officeDocument/2006/relationships" xmlns:p="http://schemas.openxmlformats.org/presentationml/2006/main">
-  <p:tag name="TIMING" val="|3.7|17.6|6.9"/>
+  <p:tag name="TIMING" val="|23.8"/>
 </p:tagLst>
 </file>
 
